--- a/1-border-radius/material.pptx
+++ b/1-border-radius/material.pptx
@@ -8,10 +8,11 @@
     <p:notesMasterId r:id="rId4"/>
   </p:notesMasterIdLst>
   <p:handoutMasterIdLst>
-    <p:handoutMasterId r:id="rId5"/>
+    <p:handoutMasterId r:id="rId6"/>
   </p:handoutMasterIdLst>
   <p:sldIdLst>
     <p:sldId id="256" r:id="rId3"/>
+    <p:sldId id="257" r:id="rId5"/>
   </p:sldIdLst>
   <p:sldSz cx="12192000" cy="6858000"/>
   <p:notesSz cx="7103745" cy="10234295"/>
@@ -619,6 +620,84 @@
 </file>
 
 <file path=ppt/notesSlides/notesSlide1.xml><?xml version="1.0" encoding="utf-8"?>
+<p:notes xmlns:a="http://schemas.openxmlformats.org/drawingml/2006/main" xmlns:r="http://schemas.openxmlformats.org/officeDocument/2006/relationships" xmlns:p="http://schemas.openxmlformats.org/presentationml/2006/main">
+  <p:cSld>
+    <p:spTree>
+      <p:nvGrpSpPr>
+        <p:cNvPr id="1" name=""/>
+        <p:cNvGrpSpPr/>
+        <p:nvPr/>
+      </p:nvGrpSpPr>
+      <p:grpSpPr>
+        <a:xfrm>
+          <a:off x="0" y="0"/>
+          <a:ext cx="0" cy="0"/>
+          <a:chOff x="0" y="0"/>
+          <a:chExt cx="0" cy="0"/>
+        </a:xfrm>
+      </p:grpSpPr>
+      <p:sp>
+        <p:nvSpPr>
+          <p:cNvPr id="2" name="幻灯片图像占位符 1"/>
+          <p:cNvSpPr>
+            <a:spLocks noGrp="1" noRot="1" noChangeAspect="1"/>
+          </p:cNvSpPr>
+          <p:nvPr>
+            <p:ph type="sldImg"/>
+          </p:nvPr>
+        </p:nvSpPr>
+        <p:spPr/>
+      </p:sp>
+      <p:sp>
+        <p:nvSpPr>
+          <p:cNvPr id="3" name="备注占位符 2"/>
+          <p:cNvSpPr>
+            <a:spLocks noGrp="1"/>
+          </p:cNvSpPr>
+          <p:nvPr>
+            <p:ph type="body" idx="1"/>
+          </p:nvPr>
+        </p:nvSpPr>
+        <p:spPr/>
+        <p:txBody>
+          <a:bodyPr/>
+          <a:lstStyle/>
+          <a:p>
+            <a:endParaRPr lang="zh-CN" altLang="en-US"/>
+          </a:p>
+        </p:txBody>
+      </p:sp>
+      <p:sp>
+        <p:nvSpPr>
+          <p:cNvPr id="4" name="灯片编号占位符 3"/>
+          <p:cNvSpPr>
+            <a:spLocks noGrp="1"/>
+          </p:cNvSpPr>
+          <p:nvPr>
+            <p:ph type="sldNum" sz="quarter" idx="10"/>
+          </p:nvPr>
+        </p:nvSpPr>
+        <p:spPr/>
+        <p:txBody>
+          <a:bodyPr/>
+          <a:lstStyle/>
+          <a:p>
+            <a:fld id="{85D0DACE-38E0-42D2-9336-2B707D34BC6D}" type="slidenum">
+              <a:rPr lang="zh-CN" altLang="en-US" smtClean="0"/>
+            </a:fld>
+            <a:endParaRPr lang="zh-CN" altLang="en-US"/>
+          </a:p>
+        </p:txBody>
+      </p:sp>
+    </p:spTree>
+  </p:cSld>
+  <p:clrMapOvr>
+    <a:masterClrMapping/>
+  </p:clrMapOvr>
+</p:notes>
+</file>
+
+<file path=ppt/notesSlides/notesSlide2.xml><?xml version="1.0" encoding="utf-8"?>
 <p:notes xmlns:a="http://schemas.openxmlformats.org/drawingml/2006/main" xmlns:r="http://schemas.openxmlformats.org/officeDocument/2006/relationships" xmlns:p="http://schemas.openxmlformats.org/presentationml/2006/main">
   <p:cSld>
     <p:spTree>
@@ -3917,6 +3996,855 @@
 </p:sld>
 </file>
 
+<file path=ppt/slides/slide2.xml><?xml version="1.0" encoding="utf-8"?>
+<p:sld xmlns:a="http://schemas.openxmlformats.org/drawingml/2006/main" xmlns:r="http://schemas.openxmlformats.org/officeDocument/2006/relationships" xmlns:p="http://schemas.openxmlformats.org/presentationml/2006/main">
+  <p:cSld>
+    <p:spTree>
+      <p:nvGrpSpPr>
+        <p:cNvPr id="1" name=""/>
+        <p:cNvGrpSpPr/>
+        <p:nvPr/>
+      </p:nvGrpSpPr>
+      <p:grpSpPr>
+        <a:xfrm>
+          <a:off x="0" y="0"/>
+          <a:ext cx="0" cy="0"/>
+          <a:chOff x="0" y="0"/>
+          <a:chExt cx="0" cy="0"/>
+        </a:xfrm>
+      </p:grpSpPr>
+      <p:sp>
+        <p:nvSpPr>
+          <p:cNvPr id="6" name="矩形 5"/>
+          <p:cNvSpPr/>
+          <p:nvPr/>
+        </p:nvSpPr>
+        <p:spPr>
+          <a:xfrm>
+            <a:off x="2633980" y="1797050"/>
+            <a:ext cx="5253990" cy="2498090"/>
+          </a:xfrm>
+          <a:prstGeom prst="rect">
+            <a:avLst/>
+          </a:prstGeom>
+          <a:solidFill>
+            <a:srgbClr val="8CEC92"/>
+          </a:solidFill>
+          <a:ln>
+            <a:noFill/>
+          </a:ln>
+        </p:spPr>
+        <p:style>
+          <a:lnRef idx="2">
+            <a:schemeClr val="accent1">
+              <a:shade val="50000"/>
+            </a:schemeClr>
+          </a:lnRef>
+          <a:fillRef idx="1">
+            <a:schemeClr val="accent1"/>
+          </a:fillRef>
+          <a:effectRef idx="0">
+            <a:schemeClr val="accent1"/>
+          </a:effectRef>
+          <a:fontRef idx="minor">
+            <a:schemeClr val="lt1"/>
+          </a:fontRef>
+        </p:style>
+        <p:txBody>
+          <a:bodyPr rtlCol="0" anchor="ctr"/>
+          <a:p>
+            <a:pPr algn="ctr"/>
+            <a:endParaRPr lang="zh-CN" altLang="en-US"/>
+          </a:p>
+        </p:txBody>
+      </p:sp>
+      <p:cxnSp>
+        <p:nvCxnSpPr>
+          <p:cNvPr id="7" name="直接连接符 6"/>
+          <p:cNvCxnSpPr>
+            <a:stCxn id="6" idx="1"/>
+          </p:cNvCxnSpPr>
+          <p:nvPr/>
+        </p:nvCxnSpPr>
+        <p:spPr>
+          <a:xfrm>
+            <a:off x="2633980" y="3046095"/>
+            <a:ext cx="5221605" cy="0"/>
+          </a:xfrm>
+          <a:prstGeom prst="line">
+            <a:avLst/>
+          </a:prstGeom>
+          <a:ln>
+            <a:noFill/>
+          </a:ln>
+        </p:spPr>
+        <p:style>
+          <a:lnRef idx="1">
+            <a:schemeClr val="accent1"/>
+          </a:lnRef>
+          <a:fillRef idx="0">
+            <a:schemeClr val="accent1"/>
+          </a:fillRef>
+          <a:effectRef idx="0">
+            <a:schemeClr val="accent1"/>
+          </a:effectRef>
+          <a:fontRef idx="minor">
+            <a:schemeClr val="tx1"/>
+          </a:fontRef>
+        </p:style>
+      </p:cxnSp>
+      <p:cxnSp>
+        <p:nvCxnSpPr>
+          <p:cNvPr id="8" name="直接连接符 7"/>
+          <p:cNvCxnSpPr/>
+          <p:nvPr/>
+        </p:nvCxnSpPr>
+        <p:spPr>
+          <a:xfrm>
+            <a:off x="2635885" y="3078480"/>
+            <a:ext cx="5243195" cy="0"/>
+          </a:xfrm>
+          <a:prstGeom prst="line">
+            <a:avLst/>
+          </a:prstGeom>
+          <a:ln>
+            <a:solidFill>
+              <a:schemeClr val="tx2">
+                <a:lumMod val="25000"/>
+              </a:schemeClr>
+            </a:solidFill>
+            <a:prstDash val="sysDash"/>
+          </a:ln>
+        </p:spPr>
+        <p:style>
+          <a:lnRef idx="1">
+            <a:schemeClr val="accent1"/>
+          </a:lnRef>
+          <a:fillRef idx="0">
+            <a:schemeClr val="accent1"/>
+          </a:fillRef>
+          <a:effectRef idx="0">
+            <a:schemeClr val="accent1"/>
+          </a:effectRef>
+          <a:fontRef idx="minor">
+            <a:schemeClr val="tx1"/>
+          </a:fontRef>
+        </p:style>
+      </p:cxnSp>
+      <p:cxnSp>
+        <p:nvCxnSpPr>
+          <p:cNvPr id="9" name="直接连接符 8"/>
+          <p:cNvCxnSpPr>
+            <a:stCxn id="6" idx="0"/>
+            <a:endCxn id="6" idx="2"/>
+          </p:cNvCxnSpPr>
+          <p:nvPr/>
+        </p:nvCxnSpPr>
+        <p:spPr>
+          <a:xfrm>
+            <a:off x="5260975" y="1797050"/>
+            <a:ext cx="0" cy="2498090"/>
+          </a:xfrm>
+          <a:prstGeom prst="line">
+            <a:avLst/>
+          </a:prstGeom>
+          <a:ln>
+            <a:solidFill>
+              <a:schemeClr val="tx2">
+                <a:lumMod val="25000"/>
+              </a:schemeClr>
+            </a:solidFill>
+            <a:prstDash val="sysDash"/>
+          </a:ln>
+        </p:spPr>
+        <p:style>
+          <a:lnRef idx="1">
+            <a:schemeClr val="accent1"/>
+          </a:lnRef>
+          <a:fillRef idx="0">
+            <a:schemeClr val="accent1"/>
+          </a:fillRef>
+          <a:effectRef idx="0">
+            <a:schemeClr val="accent1"/>
+          </a:effectRef>
+          <a:fontRef idx="minor">
+            <a:schemeClr val="tx1"/>
+          </a:fontRef>
+        </p:style>
+      </p:cxnSp>
+      <p:sp>
+        <p:nvSpPr>
+          <p:cNvPr id="2" name="椭圆 1"/>
+          <p:cNvSpPr/>
+          <p:nvPr/>
+        </p:nvSpPr>
+        <p:spPr>
+          <a:xfrm>
+            <a:off x="2635885" y="1797050"/>
+            <a:ext cx="1572260" cy="819150"/>
+          </a:xfrm>
+          <a:prstGeom prst="ellipse">
+            <a:avLst/>
+          </a:prstGeom>
+          <a:noFill/>
+          <a:ln w="28575">
+            <a:solidFill>
+              <a:schemeClr val="accent1"/>
+            </a:solidFill>
+          </a:ln>
+          <a:extLst>
+            <a:ext uri="{909E8E84-426E-40DD-AFC4-6F175D3DCCD1}">
+              <a14:hiddenFill xmlns:a14="http://schemas.microsoft.com/office/drawing/2010/main">
+                <a:solidFill>
+                  <a:schemeClr val="accent2"/>
+                </a:solidFill>
+              </a14:hiddenFill>
+            </a:ext>
+          </a:extLst>
+        </p:spPr>
+        <p:style>
+          <a:lnRef idx="2">
+            <a:schemeClr val="accent1">
+              <a:shade val="50000"/>
+            </a:schemeClr>
+          </a:lnRef>
+          <a:fillRef idx="1">
+            <a:schemeClr val="accent1"/>
+          </a:fillRef>
+          <a:effectRef idx="0">
+            <a:schemeClr val="accent1"/>
+          </a:effectRef>
+          <a:fontRef idx="minor">
+            <a:schemeClr val="lt1"/>
+          </a:fontRef>
+        </p:style>
+        <p:txBody>
+          <a:bodyPr rtlCol="0" anchor="ctr"/>
+          <a:p>
+            <a:pPr algn="ctr"/>
+            <a:endParaRPr lang="zh-CN" altLang="en-US"/>
+          </a:p>
+        </p:txBody>
+      </p:sp>
+      <p:cxnSp>
+        <p:nvCxnSpPr>
+          <p:cNvPr id="3" name="直接连接符 2"/>
+          <p:cNvCxnSpPr>
+            <a:stCxn id="2" idx="2"/>
+            <a:endCxn id="2" idx="6"/>
+          </p:cNvCxnSpPr>
+          <p:nvPr/>
+        </p:nvCxnSpPr>
+        <p:spPr>
+          <a:xfrm>
+            <a:off x="2635885" y="2206625"/>
+            <a:ext cx="1572260" cy="0"/>
+          </a:xfrm>
+          <a:prstGeom prst="line">
+            <a:avLst/>
+          </a:prstGeom>
+          <a:ln>
+            <a:solidFill>
+              <a:schemeClr val="tx1"/>
+            </a:solidFill>
+            <a:prstDash val="sysDash"/>
+          </a:ln>
+        </p:spPr>
+        <p:style>
+          <a:lnRef idx="1">
+            <a:schemeClr val="accent1"/>
+          </a:lnRef>
+          <a:fillRef idx="0">
+            <a:schemeClr val="accent1"/>
+          </a:fillRef>
+          <a:effectRef idx="0">
+            <a:schemeClr val="accent1"/>
+          </a:effectRef>
+          <a:fontRef idx="minor">
+            <a:schemeClr val="tx1"/>
+          </a:fontRef>
+        </p:style>
+      </p:cxnSp>
+      <p:cxnSp>
+        <p:nvCxnSpPr>
+          <p:cNvPr id="4" name="直接连接符 3"/>
+          <p:cNvCxnSpPr>
+            <a:stCxn id="2" idx="0"/>
+            <a:endCxn id="2" idx="4"/>
+          </p:cNvCxnSpPr>
+          <p:nvPr/>
+        </p:nvCxnSpPr>
+        <p:spPr>
+          <a:xfrm>
+            <a:off x="3422015" y="1797050"/>
+            <a:ext cx="0" cy="819150"/>
+          </a:xfrm>
+          <a:prstGeom prst="line">
+            <a:avLst/>
+          </a:prstGeom>
+          <a:ln>
+            <a:solidFill>
+              <a:schemeClr val="tx1"/>
+            </a:solidFill>
+            <a:prstDash val="sysDash"/>
+          </a:ln>
+        </p:spPr>
+        <p:style>
+          <a:lnRef idx="1">
+            <a:schemeClr val="accent1"/>
+          </a:lnRef>
+          <a:fillRef idx="0">
+            <a:schemeClr val="accent1"/>
+          </a:fillRef>
+          <a:effectRef idx="0">
+            <a:schemeClr val="accent1"/>
+          </a:effectRef>
+          <a:fontRef idx="minor">
+            <a:schemeClr val="tx1"/>
+          </a:fontRef>
+        </p:style>
+      </p:cxnSp>
+      <p:sp>
+        <p:nvSpPr>
+          <p:cNvPr id="17" name="椭圆 16"/>
+          <p:cNvSpPr/>
+          <p:nvPr/>
+        </p:nvSpPr>
+        <p:spPr>
+          <a:xfrm>
+            <a:off x="6315710" y="1797050"/>
+            <a:ext cx="1572260" cy="819150"/>
+          </a:xfrm>
+          <a:prstGeom prst="ellipse">
+            <a:avLst/>
+          </a:prstGeom>
+          <a:noFill/>
+          <a:ln>
+            <a:solidFill>
+              <a:schemeClr val="tx1"/>
+            </a:solidFill>
+          </a:ln>
+          <a:extLst>
+            <a:ext uri="{909E8E84-426E-40DD-AFC4-6F175D3DCCD1}">
+              <a14:hiddenFill xmlns:a14="http://schemas.microsoft.com/office/drawing/2010/main">
+                <a:solidFill>
+                  <a:schemeClr val="accent2"/>
+                </a:solidFill>
+              </a14:hiddenFill>
+            </a:ext>
+          </a:extLst>
+        </p:spPr>
+        <p:style>
+          <a:lnRef idx="2">
+            <a:schemeClr val="accent1">
+              <a:shade val="50000"/>
+            </a:schemeClr>
+          </a:lnRef>
+          <a:fillRef idx="1">
+            <a:schemeClr val="accent1"/>
+          </a:fillRef>
+          <a:effectRef idx="0">
+            <a:schemeClr val="accent1"/>
+          </a:effectRef>
+          <a:fontRef idx="minor">
+            <a:schemeClr val="lt1"/>
+          </a:fontRef>
+        </p:style>
+        <p:txBody>
+          <a:bodyPr rtlCol="0" anchor="ctr"/>
+          <a:p>
+            <a:pPr algn="ctr"/>
+            <a:endParaRPr lang="zh-CN" altLang="en-US"/>
+          </a:p>
+        </p:txBody>
+      </p:sp>
+      <p:cxnSp>
+        <p:nvCxnSpPr>
+          <p:cNvPr id="18" name="直接连接符 17"/>
+          <p:cNvCxnSpPr>
+            <a:stCxn id="17" idx="2"/>
+            <a:endCxn id="17" idx="6"/>
+          </p:cNvCxnSpPr>
+          <p:nvPr/>
+        </p:nvCxnSpPr>
+        <p:spPr>
+          <a:xfrm>
+            <a:off x="6315710" y="2206625"/>
+            <a:ext cx="1572260" cy="0"/>
+          </a:xfrm>
+          <a:prstGeom prst="line">
+            <a:avLst/>
+          </a:prstGeom>
+          <a:ln>
+            <a:solidFill>
+              <a:schemeClr val="tx1"/>
+            </a:solidFill>
+            <a:prstDash val="sysDash"/>
+          </a:ln>
+        </p:spPr>
+        <p:style>
+          <a:lnRef idx="1">
+            <a:schemeClr val="accent1"/>
+          </a:lnRef>
+          <a:fillRef idx="0">
+            <a:schemeClr val="accent1"/>
+          </a:fillRef>
+          <a:effectRef idx="0">
+            <a:schemeClr val="accent1"/>
+          </a:effectRef>
+          <a:fontRef idx="minor">
+            <a:schemeClr val="tx1"/>
+          </a:fontRef>
+        </p:style>
+      </p:cxnSp>
+      <p:cxnSp>
+        <p:nvCxnSpPr>
+          <p:cNvPr id="19" name="直接连接符 18"/>
+          <p:cNvCxnSpPr>
+            <a:stCxn id="17" idx="0"/>
+            <a:endCxn id="17" idx="4"/>
+          </p:cNvCxnSpPr>
+          <p:nvPr/>
+        </p:nvCxnSpPr>
+        <p:spPr>
+          <a:xfrm>
+            <a:off x="7101840" y="1797050"/>
+            <a:ext cx="0" cy="819150"/>
+          </a:xfrm>
+          <a:prstGeom prst="line">
+            <a:avLst/>
+          </a:prstGeom>
+          <a:ln>
+            <a:solidFill>
+              <a:schemeClr val="tx1"/>
+            </a:solidFill>
+            <a:prstDash val="sysDash"/>
+          </a:ln>
+        </p:spPr>
+        <p:style>
+          <a:lnRef idx="1">
+            <a:schemeClr val="accent1"/>
+          </a:lnRef>
+          <a:fillRef idx="0">
+            <a:schemeClr val="accent1"/>
+          </a:fillRef>
+          <a:effectRef idx="0">
+            <a:schemeClr val="accent1"/>
+          </a:effectRef>
+          <a:fontRef idx="minor">
+            <a:schemeClr val="tx1"/>
+          </a:fontRef>
+        </p:style>
+      </p:cxnSp>
+      <p:sp>
+        <p:nvSpPr>
+          <p:cNvPr id="20" name="椭圆 19"/>
+          <p:cNvSpPr/>
+          <p:nvPr/>
+        </p:nvSpPr>
+        <p:spPr>
+          <a:xfrm>
+            <a:off x="6315710" y="3475990"/>
+            <a:ext cx="1572260" cy="819150"/>
+          </a:xfrm>
+          <a:prstGeom prst="ellipse">
+            <a:avLst/>
+          </a:prstGeom>
+          <a:noFill/>
+          <a:ln>
+            <a:solidFill>
+              <a:schemeClr val="tx1"/>
+            </a:solidFill>
+          </a:ln>
+          <a:extLst>
+            <a:ext uri="{909E8E84-426E-40DD-AFC4-6F175D3DCCD1}">
+              <a14:hiddenFill xmlns:a14="http://schemas.microsoft.com/office/drawing/2010/main">
+                <a:solidFill>
+                  <a:schemeClr val="accent2"/>
+                </a:solidFill>
+              </a14:hiddenFill>
+            </a:ext>
+          </a:extLst>
+        </p:spPr>
+        <p:style>
+          <a:lnRef idx="2">
+            <a:schemeClr val="accent1">
+              <a:shade val="50000"/>
+            </a:schemeClr>
+          </a:lnRef>
+          <a:fillRef idx="1">
+            <a:schemeClr val="accent1"/>
+          </a:fillRef>
+          <a:effectRef idx="0">
+            <a:schemeClr val="accent1"/>
+          </a:effectRef>
+          <a:fontRef idx="minor">
+            <a:schemeClr val="lt1"/>
+          </a:fontRef>
+        </p:style>
+        <p:txBody>
+          <a:bodyPr rtlCol="0" anchor="ctr"/>
+          <a:p>
+            <a:pPr algn="ctr"/>
+            <a:endParaRPr lang="zh-CN" altLang="en-US"/>
+          </a:p>
+        </p:txBody>
+      </p:sp>
+      <p:cxnSp>
+        <p:nvCxnSpPr>
+          <p:cNvPr id="21" name="直接连接符 20"/>
+          <p:cNvCxnSpPr>
+            <a:stCxn id="20" idx="2"/>
+            <a:endCxn id="20" idx="6"/>
+          </p:cNvCxnSpPr>
+          <p:nvPr/>
+        </p:nvCxnSpPr>
+        <p:spPr>
+          <a:xfrm>
+            <a:off x="6315710" y="3885565"/>
+            <a:ext cx="1572260" cy="0"/>
+          </a:xfrm>
+          <a:prstGeom prst="line">
+            <a:avLst/>
+          </a:prstGeom>
+          <a:ln>
+            <a:solidFill>
+              <a:schemeClr val="tx1"/>
+            </a:solidFill>
+            <a:prstDash val="sysDash"/>
+          </a:ln>
+        </p:spPr>
+        <p:style>
+          <a:lnRef idx="1">
+            <a:schemeClr val="accent1"/>
+          </a:lnRef>
+          <a:fillRef idx="0">
+            <a:schemeClr val="accent1"/>
+          </a:fillRef>
+          <a:effectRef idx="0">
+            <a:schemeClr val="accent1"/>
+          </a:effectRef>
+          <a:fontRef idx="minor">
+            <a:schemeClr val="tx1"/>
+          </a:fontRef>
+        </p:style>
+      </p:cxnSp>
+      <p:cxnSp>
+        <p:nvCxnSpPr>
+          <p:cNvPr id="22" name="直接连接符 21"/>
+          <p:cNvCxnSpPr>
+            <a:stCxn id="20" idx="0"/>
+            <a:endCxn id="20" idx="4"/>
+          </p:cNvCxnSpPr>
+          <p:nvPr/>
+        </p:nvCxnSpPr>
+        <p:spPr>
+          <a:xfrm>
+            <a:off x="7101840" y="3475990"/>
+            <a:ext cx="0" cy="819150"/>
+          </a:xfrm>
+          <a:prstGeom prst="line">
+            <a:avLst/>
+          </a:prstGeom>
+          <a:ln>
+            <a:solidFill>
+              <a:schemeClr val="tx1"/>
+            </a:solidFill>
+            <a:prstDash val="sysDash"/>
+          </a:ln>
+        </p:spPr>
+        <p:style>
+          <a:lnRef idx="1">
+            <a:schemeClr val="accent1"/>
+          </a:lnRef>
+          <a:fillRef idx="0">
+            <a:schemeClr val="accent1"/>
+          </a:fillRef>
+          <a:effectRef idx="0">
+            <a:schemeClr val="accent1"/>
+          </a:effectRef>
+          <a:fontRef idx="minor">
+            <a:schemeClr val="tx1"/>
+          </a:fontRef>
+        </p:style>
+      </p:cxnSp>
+      <p:sp>
+        <p:nvSpPr>
+          <p:cNvPr id="23" name="椭圆 22"/>
+          <p:cNvSpPr/>
+          <p:nvPr/>
+        </p:nvSpPr>
+        <p:spPr>
+          <a:xfrm>
+            <a:off x="2633980" y="3475990"/>
+            <a:ext cx="1572260" cy="819150"/>
+          </a:xfrm>
+          <a:prstGeom prst="ellipse">
+            <a:avLst/>
+          </a:prstGeom>
+          <a:noFill/>
+          <a:ln>
+            <a:solidFill>
+              <a:schemeClr val="tx1"/>
+            </a:solidFill>
+          </a:ln>
+          <a:extLst>
+            <a:ext uri="{909E8E84-426E-40DD-AFC4-6F175D3DCCD1}">
+              <a14:hiddenFill xmlns:a14="http://schemas.microsoft.com/office/drawing/2010/main">
+                <a:solidFill>
+                  <a:schemeClr val="accent2"/>
+                </a:solidFill>
+              </a14:hiddenFill>
+            </a:ext>
+          </a:extLst>
+        </p:spPr>
+        <p:style>
+          <a:lnRef idx="2">
+            <a:schemeClr val="accent1">
+              <a:shade val="50000"/>
+            </a:schemeClr>
+          </a:lnRef>
+          <a:fillRef idx="1">
+            <a:schemeClr val="accent1"/>
+          </a:fillRef>
+          <a:effectRef idx="0">
+            <a:schemeClr val="accent1"/>
+          </a:effectRef>
+          <a:fontRef idx="minor">
+            <a:schemeClr val="lt1"/>
+          </a:fontRef>
+        </p:style>
+        <p:txBody>
+          <a:bodyPr rtlCol="0" anchor="ctr"/>
+          <a:p>
+            <a:pPr algn="ctr"/>
+            <a:endParaRPr lang="zh-CN" altLang="en-US"/>
+          </a:p>
+        </p:txBody>
+      </p:sp>
+      <p:cxnSp>
+        <p:nvCxnSpPr>
+          <p:cNvPr id="24" name="直接连接符 23"/>
+          <p:cNvCxnSpPr>
+            <a:stCxn id="23" idx="2"/>
+            <a:endCxn id="23" idx="6"/>
+          </p:cNvCxnSpPr>
+          <p:nvPr/>
+        </p:nvCxnSpPr>
+        <p:spPr>
+          <a:xfrm>
+            <a:off x="2633980" y="3885565"/>
+            <a:ext cx="1572260" cy="0"/>
+          </a:xfrm>
+          <a:prstGeom prst="line">
+            <a:avLst/>
+          </a:prstGeom>
+          <a:ln>
+            <a:solidFill>
+              <a:schemeClr val="tx1"/>
+            </a:solidFill>
+            <a:prstDash val="sysDash"/>
+          </a:ln>
+        </p:spPr>
+        <p:style>
+          <a:lnRef idx="1">
+            <a:schemeClr val="accent1"/>
+          </a:lnRef>
+          <a:fillRef idx="0">
+            <a:schemeClr val="accent1"/>
+          </a:fillRef>
+          <a:effectRef idx="0">
+            <a:schemeClr val="accent1"/>
+          </a:effectRef>
+          <a:fontRef idx="minor">
+            <a:schemeClr val="tx1"/>
+          </a:fontRef>
+        </p:style>
+      </p:cxnSp>
+      <p:cxnSp>
+        <p:nvCxnSpPr>
+          <p:cNvPr id="25" name="直接连接符 24"/>
+          <p:cNvCxnSpPr>
+            <a:stCxn id="23" idx="0"/>
+            <a:endCxn id="23" idx="4"/>
+          </p:cNvCxnSpPr>
+          <p:nvPr/>
+        </p:nvCxnSpPr>
+        <p:spPr>
+          <a:xfrm>
+            <a:off x="3420110" y="3475990"/>
+            <a:ext cx="0" cy="819150"/>
+          </a:xfrm>
+          <a:prstGeom prst="line">
+            <a:avLst/>
+          </a:prstGeom>
+          <a:ln>
+            <a:solidFill>
+              <a:schemeClr val="tx1"/>
+            </a:solidFill>
+            <a:prstDash val="sysDash"/>
+          </a:ln>
+        </p:spPr>
+        <p:style>
+          <a:lnRef idx="1">
+            <a:schemeClr val="accent1"/>
+          </a:lnRef>
+          <a:fillRef idx="0">
+            <a:schemeClr val="accent1"/>
+          </a:fillRef>
+          <a:effectRef idx="0">
+            <a:schemeClr val="accent1"/>
+          </a:effectRef>
+          <a:fontRef idx="minor">
+            <a:schemeClr val="tx1"/>
+          </a:fontRef>
+        </p:style>
+      </p:cxnSp>
+      <p:cxnSp>
+        <p:nvCxnSpPr>
+          <p:cNvPr id="30" name="直接连接符 29"/>
+          <p:cNvCxnSpPr>
+            <a:stCxn id="2" idx="2"/>
+          </p:cNvCxnSpPr>
+          <p:nvPr/>
+        </p:nvCxnSpPr>
+        <p:spPr>
+          <a:xfrm>
+            <a:off x="2635885" y="2206625"/>
+            <a:ext cx="786130" cy="0"/>
+          </a:xfrm>
+          <a:prstGeom prst="line">
+            <a:avLst/>
+          </a:prstGeom>
+          <a:ln w="38100">
+            <a:solidFill>
+              <a:srgbClr val="FFFF00"/>
+            </a:solidFill>
+          </a:ln>
+        </p:spPr>
+        <p:style>
+          <a:lnRef idx="1">
+            <a:schemeClr val="accent1"/>
+          </a:lnRef>
+          <a:fillRef idx="0">
+            <a:schemeClr val="accent1"/>
+          </a:fillRef>
+          <a:effectRef idx="0">
+            <a:schemeClr val="accent1"/>
+          </a:effectRef>
+          <a:fontRef idx="minor">
+            <a:schemeClr val="tx1"/>
+          </a:fontRef>
+        </p:style>
+      </p:cxnSp>
+      <p:cxnSp>
+        <p:nvCxnSpPr>
+          <p:cNvPr id="31" name="直接连接符 30"/>
+          <p:cNvCxnSpPr>
+            <a:stCxn id="2" idx="0"/>
+          </p:cNvCxnSpPr>
+          <p:nvPr/>
+        </p:nvCxnSpPr>
+        <p:spPr>
+          <a:xfrm>
+            <a:off x="3422015" y="1797050"/>
+            <a:ext cx="0" cy="421640"/>
+          </a:xfrm>
+          <a:prstGeom prst="line">
+            <a:avLst/>
+          </a:prstGeom>
+          <a:ln w="38100">
+            <a:solidFill>
+              <a:schemeClr val="accent6">
+                <a:lumMod val="75000"/>
+              </a:schemeClr>
+            </a:solidFill>
+          </a:ln>
+        </p:spPr>
+        <p:style>
+          <a:lnRef idx="1">
+            <a:schemeClr val="accent1"/>
+          </a:lnRef>
+          <a:fillRef idx="0">
+            <a:schemeClr val="accent1"/>
+          </a:fillRef>
+          <a:effectRef idx="0">
+            <a:schemeClr val="accent1"/>
+          </a:effectRef>
+          <a:fontRef idx="minor">
+            <a:schemeClr val="tx1"/>
+          </a:fontRef>
+        </p:style>
+      </p:cxnSp>
+      <p:sp>
+        <p:nvSpPr>
+          <p:cNvPr id="32" name="文本框 31"/>
+          <p:cNvSpPr txBox="1"/>
+          <p:nvPr/>
+        </p:nvSpPr>
+        <p:spPr>
+          <a:xfrm>
+            <a:off x="3420110" y="1870075"/>
+            <a:ext cx="699135" cy="275590"/>
+          </a:xfrm>
+          <a:prstGeom prst="rect">
+            <a:avLst/>
+          </a:prstGeom>
+          <a:noFill/>
+        </p:spPr>
+        <p:txBody>
+          <a:bodyPr wrap="square" rtlCol="0">
+            <a:spAutoFit/>
+          </a:bodyPr>
+          <a:p>
+            <a:r>
+              <a:rPr lang="en-US" altLang="zh-CN" sz="1200" b="1"/>
+              <a:t>50px</a:t>
+            </a:r>
+            <a:endParaRPr lang="en-US" altLang="zh-CN" sz="1200" b="1"/>
+          </a:p>
+        </p:txBody>
+      </p:sp>
+      <p:sp>
+        <p:nvSpPr>
+          <p:cNvPr id="33" name="文本框 32"/>
+          <p:cNvSpPr txBox="1"/>
+          <p:nvPr/>
+        </p:nvSpPr>
+        <p:spPr>
+          <a:xfrm>
+            <a:off x="2792730" y="2225675"/>
+            <a:ext cx="699135" cy="275590"/>
+          </a:xfrm>
+          <a:prstGeom prst="rect">
+            <a:avLst/>
+          </a:prstGeom>
+          <a:noFill/>
+        </p:spPr>
+        <p:txBody>
+          <a:bodyPr wrap="square" rtlCol="0">
+            <a:spAutoFit/>
+          </a:bodyPr>
+          <a:p>
+            <a:r>
+              <a:rPr lang="en-US" altLang="zh-CN" sz="1200" b="1"/>
+              <a:t>100px</a:t>
+            </a:r>
+            <a:endParaRPr lang="en-US" altLang="zh-CN" sz="1200" b="1"/>
+          </a:p>
+        </p:txBody>
+      </p:sp>
+    </p:spTree>
+    <p:custDataLst>
+      <p:tags r:id="rId1"/>
+    </p:custDataLst>
+  </p:cSld>
+  <p:clrMapOvr>
+    <a:masterClrMapping/>
+  </p:clrMapOvr>
+</p:sld>
+</file>
+
 <file path=ppt/tags/tag1.xml><?xml version="1.0" encoding="utf-8"?>
 <p:tagLst xmlns:p="http://schemas.openxmlformats.org/presentationml/2006/main">
   <p:tag name="KSO_WM_TAG_VERSION" val="1.0"/>
@@ -3944,6 +4872,23 @@
 </file>
 
 <file path=ppt/tags/tag4.xml><?xml version="1.0" encoding="utf-8"?>
+<p:tagLst xmlns:p="http://schemas.openxmlformats.org/presentationml/2006/main">
+  <p:tag name="KSO_WM_SLIDE_ID" val="custom20187308_1"/>
+  <p:tag name="KSO_WM_SLIDE_TYPE" val="title"/>
+  <p:tag name="KSO_WM_SLIDE_SUBTYPE" val="pureTxt"/>
+  <p:tag name="KSO_WM_SLIDE_ITEM_CNT" val="2"/>
+  <p:tag name="KSO_WM_SLIDE_INDEX" val="1"/>
+  <p:tag name="KSO_WM_TAG_VERSION" val="1.0"/>
+  <p:tag name="KSO_WM_BEAUTIFY_FLAG" val="#wm#"/>
+  <p:tag name="KSO_WM_TEMPLATE_CATEGORY" val="custom"/>
+  <p:tag name="KSO_WM_TEMPLATE_INDEX" val="20187308"/>
+  <p:tag name="KSO_WM_SLIDE_LAYOUT" val="a_b"/>
+  <p:tag name="KSO_WM_SLIDE_LAYOUT_CNT" val="1_1"/>
+  <p:tag name="KSO_WM_TEMPLATE_THUMBS_INDEX" val="1、2、3、6、8、10、11、12、15"/>
+</p:tagLst>
+</file>
+
+<file path=ppt/tags/tag5.xml><?xml version="1.0" encoding="utf-8"?>
 <p:tagLst xmlns:p="http://schemas.openxmlformats.org/presentationml/2006/main">
   <p:tag name="KSO_WM_SLIDE_ID" val="custom20187308_1"/>
   <p:tag name="KSO_WM_SLIDE_TYPE" val="title"/>
